--- a/slides/tls.pptx
+++ b/slides/tls.pptx
@@ -205,7 +205,7 @@
           <a:p>
             <a:fld id="{8A8F461C-888A-7D49-BABD-BD6CFC06C3B3}" type="datetimeFigureOut">
               <a:rPr lang="en-US" smtClean="0"/>
-              <a:t>3/10/16</a:t>
+              <a:t>3/15/16</a:t>
             </a:fld>
             <a:endParaRPr lang="en-US"/>
           </a:p>
@@ -1007,7 +1007,7 @@
           <a:p>
             <a:fld id="{5B2C427B-2428-E44E-B459-85520291B356}" type="datetimeFigureOut">
               <a:rPr lang="en-US" smtClean="0"/>
-              <a:t>3/10/16</a:t>
+              <a:t>3/15/16</a:t>
             </a:fld>
             <a:endParaRPr lang="en-US"/>
           </a:p>
@@ -1177,7 +1177,7 @@
           <a:p>
             <a:fld id="{5B2C427B-2428-E44E-B459-85520291B356}" type="datetimeFigureOut">
               <a:rPr lang="en-US" smtClean="0"/>
-              <a:t>3/10/16</a:t>
+              <a:t>3/15/16</a:t>
             </a:fld>
             <a:endParaRPr lang="en-US"/>
           </a:p>
@@ -1357,7 +1357,7 @@
           <a:p>
             <a:fld id="{5B2C427B-2428-E44E-B459-85520291B356}" type="datetimeFigureOut">
               <a:rPr lang="en-US" smtClean="0"/>
-              <a:t>3/10/16</a:t>
+              <a:t>3/15/16</a:t>
             </a:fld>
             <a:endParaRPr lang="en-US"/>
           </a:p>
@@ -1527,7 +1527,7 @@
           <a:p>
             <a:fld id="{5B2C427B-2428-E44E-B459-85520291B356}" type="datetimeFigureOut">
               <a:rPr lang="en-US" smtClean="0"/>
-              <a:t>3/10/16</a:t>
+              <a:t>3/15/16</a:t>
             </a:fld>
             <a:endParaRPr lang="en-US"/>
           </a:p>
@@ -1773,7 +1773,7 @@
           <a:p>
             <a:fld id="{5B2C427B-2428-E44E-B459-85520291B356}" type="datetimeFigureOut">
               <a:rPr lang="en-US" smtClean="0"/>
-              <a:t>3/10/16</a:t>
+              <a:t>3/15/16</a:t>
             </a:fld>
             <a:endParaRPr lang="en-US"/>
           </a:p>
@@ -2061,7 +2061,7 @@
           <a:p>
             <a:fld id="{5B2C427B-2428-E44E-B459-85520291B356}" type="datetimeFigureOut">
               <a:rPr lang="en-US" smtClean="0"/>
-              <a:t>3/10/16</a:t>
+              <a:t>3/15/16</a:t>
             </a:fld>
             <a:endParaRPr lang="en-US"/>
           </a:p>
@@ -2483,7 +2483,7 @@
           <a:p>
             <a:fld id="{5B2C427B-2428-E44E-B459-85520291B356}" type="datetimeFigureOut">
               <a:rPr lang="en-US" smtClean="0"/>
-              <a:t>3/10/16</a:t>
+              <a:t>3/15/16</a:t>
             </a:fld>
             <a:endParaRPr lang="en-US"/>
           </a:p>
@@ -2601,7 +2601,7 @@
           <a:p>
             <a:fld id="{5B2C427B-2428-E44E-B459-85520291B356}" type="datetimeFigureOut">
               <a:rPr lang="en-US" smtClean="0"/>
-              <a:t>3/10/16</a:t>
+              <a:t>3/15/16</a:t>
             </a:fld>
             <a:endParaRPr lang="en-US"/>
           </a:p>
@@ -2696,7 +2696,7 @@
           <a:p>
             <a:fld id="{5B2C427B-2428-E44E-B459-85520291B356}" type="datetimeFigureOut">
               <a:rPr lang="en-US" smtClean="0"/>
-              <a:t>3/10/16</a:t>
+              <a:t>3/15/16</a:t>
             </a:fld>
             <a:endParaRPr lang="en-US"/>
           </a:p>
@@ -2973,7 +2973,7 @@
           <a:p>
             <a:fld id="{5B2C427B-2428-E44E-B459-85520291B356}" type="datetimeFigureOut">
               <a:rPr lang="en-US" smtClean="0"/>
-              <a:t>3/10/16</a:t>
+              <a:t>3/15/16</a:t>
             </a:fld>
             <a:endParaRPr lang="en-US"/>
           </a:p>
@@ -3226,7 +3226,7 @@
           <a:p>
             <a:fld id="{5B2C427B-2428-E44E-B459-85520291B356}" type="datetimeFigureOut">
               <a:rPr lang="en-US" smtClean="0"/>
-              <a:t>3/10/16</a:t>
+              <a:t>3/15/16</a:t>
             </a:fld>
             <a:endParaRPr lang="en-US"/>
           </a:p>
@@ -3439,7 +3439,7 @@
           <a:p>
             <a:fld id="{5B2C427B-2428-E44E-B459-85520291B356}" type="datetimeFigureOut">
               <a:rPr lang="en-US" smtClean="0"/>
-              <a:t>3/10/16</a:t>
+              <a:t>3/15/16</a:t>
             </a:fld>
             <a:endParaRPr lang="en-US"/>
           </a:p>
@@ -3880,7 +3880,6 @@
               <a:rPr lang="en-US" sz="2800" dirty="0" smtClean="0"/>
               <a:t>Key transport</a:t>
             </a:r>
-            <a:endParaRPr lang="en-US" sz="2800" dirty="0" smtClean="0"/>
           </a:p>
         </p:txBody>
       </p:sp>
@@ -5216,7 +5215,6 @@
               <a:rPr lang="en-US" sz="2800" dirty="0"/>
               <a:t>x</a:t>
             </a:r>
-            <a:endParaRPr lang="en-US" sz="2800" dirty="0"/>
           </a:p>
         </p:txBody>
       </p:sp>
@@ -5366,11 +5364,7 @@
           <a:p>
             <a:r>
               <a:rPr lang="en-US" sz="2400" dirty="0" smtClean="0"/>
-              <a:t>easy given </a:t>
-            </a:r>
-            <a:r>
-              <a:rPr lang="en-US" sz="2400" dirty="0" smtClean="0"/>
-              <a:t>x</a:t>
+              <a:t>easy given x</a:t>
             </a:r>
             <a:endParaRPr lang="en-US" sz="2400" dirty="0"/>
           </a:p>
@@ -5400,13 +5394,8 @@
           <a:p>
             <a:r>
               <a:rPr lang="en-US" sz="2400" dirty="0" smtClean="0"/>
-              <a:t>hard given </a:t>
-            </a:r>
-            <a:r>
-              <a:rPr lang="en-US" sz="2400" dirty="0" smtClean="0"/>
-              <a:t>X</a:t>
-            </a:r>
-            <a:endParaRPr lang="en-US" sz="2400" dirty="0" smtClean="0"/>
+              <a:t>hard given X</a:t>
+            </a:r>
           </a:p>
         </p:txBody>
       </p:sp>
@@ -5496,11 +5485,7 @@
           <a:p>
             <a:r>
               <a:rPr lang="en-US" dirty="0" smtClean="0"/>
-              <a:t>TLS </a:t>
-            </a:r>
-            <a:r>
-              <a:rPr lang="en-US" dirty="0" smtClean="0"/>
-              <a:t>Key derivation &amp; use</a:t>
+              <a:t>TLS Key derivation &amp; use</a:t>
             </a:r>
             <a:endParaRPr lang="en-US" dirty="0"/>
           </a:p>
@@ -5664,11 +5649,7 @@
             </a:r>
             <a:r>
               <a:rPr lang="en-US" dirty="0" smtClean="0"/>
-              <a:t>(</a:t>
-            </a:r>
-            <a:r>
-              <a:rPr lang="en-US" dirty="0" smtClean="0"/>
-              <a:t>K1,Message)</a:t>
+              <a:t>(K1,Message)</a:t>
             </a:r>
           </a:p>
         </p:txBody>
@@ -5697,15 +5678,7 @@
           <a:p>
             <a:r>
               <a:rPr lang="en-US" dirty="0" smtClean="0"/>
-              <a:t>MS &lt;- PRF(</a:t>
-            </a:r>
-            <a:r>
-              <a:rPr lang="en-US" dirty="0" smtClean="0"/>
-              <a:t>PMS</a:t>
-            </a:r>
-            <a:r>
-              <a:rPr lang="en-US" dirty="0" smtClean="0"/>
-              <a:t>, “master secret” || </a:t>
+              <a:t>MS &lt;- PRF(PMS, “master secret” || </a:t>
             </a:r>
             <a:r>
               <a:rPr lang="en-US" dirty="0" err="1" smtClean="0"/>
@@ -5789,11 +5762,7 @@
             </a:r>
             <a:r>
               <a:rPr lang="en-US" dirty="0" smtClean="0"/>
-              <a:t>(</a:t>
-            </a:r>
-            <a:r>
-              <a:rPr lang="en-US" dirty="0" smtClean="0"/>
-              <a:t>K2,Message’)</a:t>
+              <a:t>(K2,Message’)</a:t>
             </a:r>
           </a:p>
         </p:txBody>
@@ -5830,11 +5799,7 @@
             </a:r>
             <a:r>
               <a:rPr lang="en-US" dirty="0" smtClean="0"/>
-              <a:t>(</a:t>
-            </a:r>
-            <a:r>
-              <a:rPr lang="en-US" dirty="0" smtClean="0"/>
-              <a:t>K1,C1)</a:t>
+              <a:t>(K1,C1)</a:t>
             </a:r>
           </a:p>
         </p:txBody>
@@ -5871,11 +5836,7 @@
             </a:r>
             <a:r>
               <a:rPr lang="en-US" dirty="0" smtClean="0"/>
-              <a:t>(</a:t>
-            </a:r>
-            <a:r>
-              <a:rPr lang="en-US" dirty="0" smtClean="0"/>
-              <a:t>K2,C2)</a:t>
+              <a:t>(K2,C2)</a:t>
             </a:r>
           </a:p>
         </p:txBody>
@@ -8342,15 +8303,7 @@
           <a:p>
             <a:r>
               <a:rPr lang="en-US" sz="3200" dirty="0" smtClean="0"/>
-              <a:t>TLS </a:t>
-            </a:r>
-            <a:r>
-              <a:rPr lang="en-US" sz="3200" dirty="0" smtClean="0"/>
-              <a:t>1.2 record </a:t>
-            </a:r>
-            <a:r>
-              <a:rPr lang="en-US" sz="3200" dirty="0" smtClean="0"/>
-              <a:t>protocol: MAC-Encode-Encrypt (MEE) </a:t>
+              <a:t>TLS 1.2 record protocol: MAC-Encode-Encrypt (MEE) </a:t>
             </a:r>
             <a:endParaRPr lang="en-US" sz="3200" dirty="0"/>
           </a:p>
@@ -10742,11 +10695,11 @@
   <p:clrMapOvr>
     <a:masterClrMapping/>
   </p:clrMapOvr>
-  <mc:AlternateContent xmlns:mc="http://schemas.openxmlformats.org/markup-compatibility/2006">
-    <mc:Choice xmlns:p14="http://schemas.microsoft.com/office/powerpoint/2010/main" Requires="p14">
+  <mc:AlternateContent xmlns:mc="http://schemas.openxmlformats.org/markup-compatibility/2006" xmlns:p14="http://schemas.microsoft.com/office/powerpoint/2010/main">
+    <mc:Choice Requires="p14">
       <p:transition spd="slow" p14:dur="2000"/>
     </mc:Choice>
-    <mc:Fallback>
+    <mc:Fallback xmlns="">
       <p:transition xmlns:p14="http://schemas.microsoft.com/office/powerpoint/2010/main" spd="slow"/>
     </mc:Fallback>
   </mc:AlternateContent>
@@ -17134,11 +17087,7 @@
           <a:p>
             <a:r>
               <a:rPr lang="en-US" sz="2800" dirty="0" smtClean="0"/>
-              <a:t>Trapdoor </a:t>
-            </a:r>
-            <a:r>
-              <a:rPr lang="en-US" sz="2800" dirty="0" smtClean="0"/>
-              <a:t>functions</a:t>
+              <a:t>Trapdoor functions</a:t>
             </a:r>
             <a:endParaRPr lang="en-US" sz="2800" dirty="0"/>
           </a:p>
